--- a/Lecture 1/Занятие 1.pptx
+++ b/Lecture 1/Занятие 1.pptx
@@ -5,7 +5,7 @@
     <p:sldMasterId id="2147483648" r:id="rId1"/>
   </p:sldMasterIdLst>
   <p:notesMasterIdLst>
-    <p:notesMasterId r:id="rId13"/>
+    <p:notesMasterId r:id="rId12"/>
   </p:notesMasterIdLst>
   <p:sldIdLst>
     <p:sldId id="256" r:id="rId2"/>
@@ -14,11 +14,10 @@
     <p:sldId id="287" r:id="rId5"/>
     <p:sldId id="288" r:id="rId6"/>
     <p:sldId id="289" r:id="rId7"/>
-    <p:sldId id="292" r:id="rId8"/>
-    <p:sldId id="297" r:id="rId9"/>
-    <p:sldId id="296" r:id="rId10"/>
-    <p:sldId id="298" r:id="rId11"/>
-    <p:sldId id="294" r:id="rId12"/>
+    <p:sldId id="297" r:id="rId8"/>
+    <p:sldId id="296" r:id="rId9"/>
+    <p:sldId id="298" r:id="rId10"/>
+    <p:sldId id="294" r:id="rId11"/>
   </p:sldIdLst>
   <p:sldSz cx="12192000" cy="6858000"/>
   <p:notesSz cx="6858000" cy="9144000"/>
@@ -219,7 +218,7 @@
           <a:p>
             <a:fld id="{8A1824A0-EC7F-4813-A3E7-82F7E7F5E905}" type="datetimeFigureOut">
               <a:rPr lang="ru-RU" smtClean="0"/>
-              <a:t>29.11.2024</a:t>
+              <a:t>17.11.2025</a:t>
             </a:fld>
             <a:endParaRPr lang="ru-RU"/>
           </a:p>
@@ -737,7 +736,7 @@
           <a:p>
             <a:fld id="{25187071-E7D1-4F0D-90F4-41EE461A2EB9}" type="datetimeFigureOut">
               <a:rPr lang="ru-RU" smtClean="0"/>
-              <a:t>29.11.2024</a:t>
+              <a:t>17.11.2025</a:t>
             </a:fld>
             <a:endParaRPr lang="ru-RU"/>
           </a:p>
@@ -935,7 +934,7 @@
           <a:p>
             <a:fld id="{25187071-E7D1-4F0D-90F4-41EE461A2EB9}" type="datetimeFigureOut">
               <a:rPr lang="ru-RU" smtClean="0"/>
-              <a:t>29.11.2024</a:t>
+              <a:t>17.11.2025</a:t>
             </a:fld>
             <a:endParaRPr lang="ru-RU"/>
           </a:p>
@@ -1143,7 +1142,7 @@
           <a:p>
             <a:fld id="{25187071-E7D1-4F0D-90F4-41EE461A2EB9}" type="datetimeFigureOut">
               <a:rPr lang="ru-RU" smtClean="0"/>
-              <a:t>29.11.2024</a:t>
+              <a:t>17.11.2025</a:t>
             </a:fld>
             <a:endParaRPr lang="ru-RU"/>
           </a:p>
@@ -1341,7 +1340,7 @@
           <a:p>
             <a:fld id="{25187071-E7D1-4F0D-90F4-41EE461A2EB9}" type="datetimeFigureOut">
               <a:rPr lang="ru-RU" smtClean="0"/>
-              <a:t>29.11.2024</a:t>
+              <a:t>17.11.2025</a:t>
             </a:fld>
             <a:endParaRPr lang="ru-RU"/>
           </a:p>
@@ -1616,7 +1615,7 @@
           <a:p>
             <a:fld id="{25187071-E7D1-4F0D-90F4-41EE461A2EB9}" type="datetimeFigureOut">
               <a:rPr lang="ru-RU" smtClean="0"/>
-              <a:t>29.11.2024</a:t>
+              <a:t>17.11.2025</a:t>
             </a:fld>
             <a:endParaRPr lang="ru-RU"/>
           </a:p>
@@ -1881,7 +1880,7 @@
           <a:p>
             <a:fld id="{25187071-E7D1-4F0D-90F4-41EE461A2EB9}" type="datetimeFigureOut">
               <a:rPr lang="ru-RU" smtClean="0"/>
-              <a:t>29.11.2024</a:t>
+              <a:t>17.11.2025</a:t>
             </a:fld>
             <a:endParaRPr lang="ru-RU"/>
           </a:p>
@@ -2293,7 +2292,7 @@
           <a:p>
             <a:fld id="{25187071-E7D1-4F0D-90F4-41EE461A2EB9}" type="datetimeFigureOut">
               <a:rPr lang="ru-RU" smtClean="0"/>
-              <a:t>29.11.2024</a:t>
+              <a:t>17.11.2025</a:t>
             </a:fld>
             <a:endParaRPr lang="ru-RU"/>
           </a:p>
@@ -2434,7 +2433,7 @@
           <a:p>
             <a:fld id="{25187071-E7D1-4F0D-90F4-41EE461A2EB9}" type="datetimeFigureOut">
               <a:rPr lang="ru-RU" smtClean="0"/>
-              <a:t>29.11.2024</a:t>
+              <a:t>17.11.2025</a:t>
             </a:fld>
             <a:endParaRPr lang="ru-RU"/>
           </a:p>
@@ -2547,7 +2546,7 @@
           <a:p>
             <a:fld id="{25187071-E7D1-4F0D-90F4-41EE461A2EB9}" type="datetimeFigureOut">
               <a:rPr lang="ru-RU" smtClean="0"/>
-              <a:t>29.11.2024</a:t>
+              <a:t>17.11.2025</a:t>
             </a:fld>
             <a:endParaRPr lang="ru-RU"/>
           </a:p>
@@ -2858,7 +2857,7 @@
           <a:p>
             <a:fld id="{25187071-E7D1-4F0D-90F4-41EE461A2EB9}" type="datetimeFigureOut">
               <a:rPr lang="ru-RU" smtClean="0"/>
-              <a:t>29.11.2024</a:t>
+              <a:t>17.11.2025</a:t>
             </a:fld>
             <a:endParaRPr lang="ru-RU"/>
           </a:p>
@@ -3146,7 +3145,7 @@
           <a:p>
             <a:fld id="{25187071-E7D1-4F0D-90F4-41EE461A2EB9}" type="datetimeFigureOut">
               <a:rPr lang="ru-RU" smtClean="0"/>
-              <a:t>29.11.2024</a:t>
+              <a:t>17.11.2025</a:t>
             </a:fld>
             <a:endParaRPr lang="ru-RU"/>
           </a:p>
@@ -3387,7 +3386,7 @@
           <a:p>
             <a:fld id="{25187071-E7D1-4F0D-90F4-41EE461A2EB9}" type="datetimeFigureOut">
               <a:rPr lang="ru-RU" smtClean="0"/>
-              <a:t>29.11.2024</a:t>
+              <a:t>17.11.2025</a:t>
             </a:fld>
             <a:endParaRPr lang="ru-RU"/>
           </a:p>
@@ -3893,147 +3892,6 @@
   <p:cSld>
     <p:spTree>
       <p:nvGrpSpPr>
-        <p:cNvPr id="1" name="">
-          <a:extLst>
-            <a:ext uri="{FF2B5EF4-FFF2-40B4-BE49-F238E27FC236}">
-              <a16:creationId xmlns:a16="http://schemas.microsoft.com/office/drawing/2014/main" id="{96ADCBAC-C624-3E6F-5041-AD5CC6EA0243}"/>
-            </a:ext>
-          </a:extLst>
-        </p:cNvPr>
-        <p:cNvGrpSpPr/>
-        <p:nvPr/>
-      </p:nvGrpSpPr>
-      <p:grpSpPr>
-        <a:xfrm>
-          <a:off x="0" y="0"/>
-          <a:ext cx="0" cy="0"/>
-          <a:chOff x="0" y="0"/>
-          <a:chExt cx="0" cy="0"/>
-        </a:xfrm>
-      </p:grpSpPr>
-      <p:sp>
-        <p:nvSpPr>
-          <p:cNvPr id="2" name="Заголовок 1">
-            <a:extLst>
-              <a:ext uri="{FF2B5EF4-FFF2-40B4-BE49-F238E27FC236}">
-                <a16:creationId xmlns:a16="http://schemas.microsoft.com/office/drawing/2014/main" id="{5F673CA9-6F34-05FB-0590-9358C8141562}"/>
-              </a:ext>
-            </a:extLst>
-          </p:cNvPr>
-          <p:cNvSpPr>
-            <a:spLocks noGrp="1"/>
-          </p:cNvSpPr>
-          <p:nvPr>
-            <p:ph type="title"/>
-          </p:nvPr>
-        </p:nvSpPr>
-        <p:spPr/>
-        <p:txBody>
-          <a:bodyPr/>
-          <a:lstStyle/>
-          <a:p>
-            <a:r>
-              <a:rPr lang="ru-RU" dirty="0"/>
-              <a:t>Небольшая синхронизация</a:t>
-            </a:r>
-          </a:p>
-        </p:txBody>
-      </p:sp>
-      <p:sp>
-        <p:nvSpPr>
-          <p:cNvPr id="3" name="Объект 2">
-            <a:extLst>
-              <a:ext uri="{FF2B5EF4-FFF2-40B4-BE49-F238E27FC236}">
-                <a16:creationId xmlns:a16="http://schemas.microsoft.com/office/drawing/2014/main" id="{7656A852-C6F5-1DAC-C0D4-6B5CA236AFCE}"/>
-              </a:ext>
-            </a:extLst>
-          </p:cNvPr>
-          <p:cNvSpPr>
-            <a:spLocks noGrp="1"/>
-          </p:cNvSpPr>
-          <p:nvPr>
-            <p:ph idx="1"/>
-          </p:nvPr>
-        </p:nvSpPr>
-        <p:spPr>
-          <a:xfrm>
-            <a:off x="838199" y="1825625"/>
-            <a:ext cx="10613572" cy="4351338"/>
-          </a:xfrm>
-        </p:spPr>
-        <p:txBody>
-          <a:bodyPr>
-            <a:normAutofit/>
-          </a:bodyPr>
-          <a:lstStyle/>
-          <a:p>
-            <a:r>
-              <a:rPr lang="ru-RU" b="0" i="0" dirty="0">
-                <a:solidFill>
-                  <a:srgbClr val="1F2328"/>
-                </a:solidFill>
-                <a:effectLst/>
-                <a:latin typeface="-apple-system"/>
-              </a:rPr>
-              <a:t>Напишите, пожалуйста, насколько хорошо вы знакомы с:</a:t>
-            </a:r>
-          </a:p>
-          <a:p>
-            <a:pPr lvl="1"/>
-            <a:r>
-              <a:rPr lang="en-US" dirty="0">
-                <a:solidFill>
-                  <a:srgbClr val="1F2328"/>
-                </a:solidFill>
-                <a:latin typeface="-apple-system"/>
-              </a:rPr>
-              <a:t>Classic ML</a:t>
-            </a:r>
-          </a:p>
-          <a:p>
-            <a:pPr lvl="1"/>
-            <a:r>
-              <a:rPr lang="en-US" dirty="0">
-                <a:solidFill>
-                  <a:srgbClr val="1F2328"/>
-                </a:solidFill>
-                <a:latin typeface="-apple-system"/>
-              </a:rPr>
-              <a:t>Deep Learning</a:t>
-            </a:r>
-          </a:p>
-          <a:p>
-            <a:pPr lvl="1"/>
-            <a:endParaRPr lang="en-US" dirty="0">
-              <a:solidFill>
-                <a:srgbClr val="1F2328"/>
-              </a:solidFill>
-              <a:latin typeface="-apple-system"/>
-            </a:endParaRPr>
-          </a:p>
-          <a:p>
-            <a:endParaRPr lang="ru-RU" dirty="0"/>
-          </a:p>
-        </p:txBody>
-      </p:sp>
-    </p:spTree>
-    <p:extLst>
-      <p:ext uri="{BB962C8B-B14F-4D97-AF65-F5344CB8AC3E}">
-        <p14:creationId xmlns:p14="http://schemas.microsoft.com/office/powerpoint/2010/main" val="4027548127"/>
-      </p:ext>
-    </p:extLst>
-  </p:cSld>
-  <p:clrMapOvr>
-    <a:masterClrMapping/>
-  </p:clrMapOvr>
-</p:sld>
-</file>
-
-<file path=ppt/slides/slide11.xml><?xml version="1.0" encoding="utf-8"?>
-<p:sld xmlns:a="http://schemas.openxmlformats.org/drawingml/2006/main" xmlns:r="http://schemas.openxmlformats.org/officeDocument/2006/relationships" xmlns:p="http://schemas.openxmlformats.org/presentationml/2006/main">
-  <p:cSld>
-    <p:spTree>
-      <p:nvGrpSpPr>
         <p:cNvPr id="1" name=""/>
         <p:cNvGrpSpPr/>
         <p:nvPr/>
@@ -4282,7 +4140,7 @@
             </a:r>
             <a:r>
               <a:rPr lang="ru-RU" sz="1600" dirty="0"/>
-              <a:t>. Автоматическое дифференцирование.</a:t>
+              <a:t>. Автоматическое дифференцирование</a:t>
             </a:r>
           </a:p>
           <a:p>
@@ -4335,23 +4193,6 @@
               <a:rPr lang="ru-RU" sz="1600" dirty="0"/>
               <a:t>, регуляризация…</a:t>
             </a:r>
-            <a:br>
-              <a:rPr lang="ru-RU" sz="1600" dirty="0"/>
-            </a:br>
-            <a:endParaRPr lang="ru-RU" sz="1600" dirty="0"/>
-          </a:p>
-          <a:p>
-            <a:pPr marL="0" indent="0">
-              <a:spcBef>
-                <a:spcPts val="0"/>
-              </a:spcBef>
-              <a:buNone/>
-            </a:pPr>
-            <a:r>
-              <a:rPr lang="ru-RU" sz="1600" b="1" dirty="0"/>
-              <a:t>Блок 2. Нейронные сети для анализа изображений</a:t>
-            </a:r>
-            <a:endParaRPr lang="ru-RU" sz="1600" dirty="0"/>
           </a:p>
           <a:p>
             <a:pPr>
@@ -4361,15 +4202,23 @@
             </a:pPr>
             <a:r>
               <a:rPr lang="ru-RU" sz="1600" dirty="0"/>
-              <a:t>2.1 Введение в </a:t>
+              <a:t>1.5 Практики эффективного обучения в </a:t>
             </a:r>
             <a:r>
               <a:rPr lang="ru-RU" sz="1600" dirty="0" err="1"/>
-              <a:t>сверточные</a:t>
+              <a:t>PyTorch</a:t>
             </a:r>
             <a:r>
               <a:rPr lang="ru-RU" sz="1600" dirty="0"/>
-              <a:t> нейронные сети</a:t>
+              <a:t>: </a:t>
+            </a:r>
+            <a:r>
+              <a:rPr lang="ru-RU" sz="1600" dirty="0" err="1"/>
+              <a:t>torch.compile</a:t>
+            </a:r>
+            <a:r>
+              <a:rPr lang="ru-RU" sz="1600" dirty="0"/>
+              <a:t>, профилирование, AMP…</a:t>
             </a:r>
           </a:p>
           <a:p>
@@ -4380,15 +4229,15 @@
             </a:pPr>
             <a:r>
               <a:rPr lang="ru-RU" sz="1600" dirty="0"/>
-              <a:t>2.2 Основные архитектуры </a:t>
-            </a:r>
-            <a:r>
-              <a:rPr lang="ru-RU" sz="1600" dirty="0" err="1"/>
-              <a:t>свёрточных</a:t>
-            </a:r>
-            <a:r>
-              <a:rPr lang="ru-RU" sz="1600" dirty="0"/>
-              <a:t> нейронных сетей</a:t>
+              <a:t>1.6 </a:t>
+            </a:r>
+            <a:r>
+              <a:rPr lang="en-US" sz="1600" dirty="0" err="1"/>
+              <a:t>Pytorch</a:t>
+            </a:r>
+            <a:r>
+              <a:rPr lang="en-US" sz="1600" dirty="0"/>
+              <a:t> Lightning basics</a:t>
             </a:r>
             <a:br>
               <a:rPr lang="ru-RU" sz="1600" dirty="0"/>
@@ -4404,7 +4253,7 @@
             </a:pPr>
             <a:r>
               <a:rPr lang="ru-RU" sz="1600" b="1" dirty="0"/>
-              <a:t>Блок 3. Нейронные сети для анализа текстов</a:t>
+              <a:t>Блок 2. Нейронные сети для анализа изображений</a:t>
             </a:r>
             <a:endParaRPr lang="ru-RU" sz="1600" dirty="0"/>
           </a:p>
@@ -4416,7 +4265,15 @@
             </a:pPr>
             <a:r>
               <a:rPr lang="ru-RU" sz="1600" dirty="0"/>
-              <a:t>3.1 CNN для анализа текстовых данных</a:t>
+              <a:t>2.1 Введение в </a:t>
+            </a:r>
+            <a:r>
+              <a:rPr lang="ru-RU" sz="1600" dirty="0" err="1"/>
+              <a:t>сверточные</a:t>
+            </a:r>
+            <a:r>
+              <a:rPr lang="ru-RU" sz="1600" dirty="0"/>
+              <a:t> нейронные сети</a:t>
             </a:r>
           </a:p>
           <a:p>
@@ -4427,8 +4284,33 @@
             </a:pPr>
             <a:r>
               <a:rPr lang="ru-RU" sz="1600" dirty="0"/>
-              <a:t>3.2 Word2Vec</a:t>
-            </a:r>
+              <a:t>2.2 Основные архитектуры </a:t>
+            </a:r>
+            <a:r>
+              <a:rPr lang="ru-RU" sz="1600" dirty="0" err="1"/>
+              <a:t>свёрточных</a:t>
+            </a:r>
+            <a:r>
+              <a:rPr lang="ru-RU" sz="1600" dirty="0"/>
+              <a:t> нейронных сетей</a:t>
+            </a:r>
+            <a:br>
+              <a:rPr lang="ru-RU" sz="1600" dirty="0"/>
+            </a:br>
+            <a:endParaRPr lang="ru-RU" sz="1600" dirty="0"/>
+          </a:p>
+          <a:p>
+            <a:pPr marL="0" indent="0">
+              <a:spcBef>
+                <a:spcPts val="0"/>
+              </a:spcBef>
+              <a:buNone/>
+            </a:pPr>
+            <a:r>
+              <a:rPr lang="ru-RU" sz="1600" b="1" dirty="0"/>
+              <a:t>Блок 3. Нейронные сети для анализа текстов</a:t>
+            </a:r>
+            <a:endParaRPr lang="ru-RU" sz="1600" dirty="0"/>
           </a:p>
           <a:p>
             <a:pPr>
@@ -4438,25 +4320,24 @@
             </a:pPr>
             <a:r>
               <a:rPr lang="ru-RU" sz="1600" dirty="0"/>
-              <a:t>3.3 Введение в рекуррентные нейронные сети</a:t>
-            </a:r>
-            <a:br>
+              <a:t>3.1 Old, </a:t>
+            </a:r>
+            <a:r>
+              <a:rPr lang="ru-RU" sz="1600" dirty="0" err="1"/>
+              <a:t>but</a:t>
+            </a:r>
+            <a:r>
               <a:rPr lang="ru-RU" sz="1600" dirty="0"/>
-            </a:br>
-            <a:endParaRPr lang="ru-RU" sz="1600" dirty="0"/>
-          </a:p>
-          <a:p>
-            <a:pPr marL="0" indent="0">
-              <a:spcBef>
-                <a:spcPts val="0"/>
-              </a:spcBef>
-              <a:buNone/>
-            </a:pPr>
-            <a:r>
-              <a:rPr lang="ru-RU" sz="1600" b="1" dirty="0"/>
-              <a:t>Блок 4. Архитектура трансформера</a:t>
-            </a:r>
-            <a:endParaRPr lang="ru-RU" sz="1600" dirty="0"/>
+              <a:t> </a:t>
+            </a:r>
+            <a:r>
+              <a:rPr lang="ru-RU" sz="1600" dirty="0" err="1"/>
+              <a:t>gold</a:t>
+            </a:r>
+            <a:r>
+              <a:rPr lang="ru-RU" sz="1600" dirty="0"/>
+              <a:t>: CNN для анализа текстовых данных, Word2Vec</a:t>
+            </a:r>
           </a:p>
           <a:p>
             <a:pPr>
@@ -4466,8 +4347,25 @@
             </a:pPr>
             <a:r>
               <a:rPr lang="ru-RU" sz="1600" dirty="0"/>
-              <a:t>4.1 Архитектура трансформера и избранные модели NLP</a:t>
-            </a:r>
+              <a:t>3.2 Введение в рекуррентные нейронные сети</a:t>
+            </a:r>
+            <a:br>
+              <a:rPr lang="ru-RU" sz="1600" dirty="0"/>
+            </a:br>
+            <a:endParaRPr lang="ru-RU" sz="1600" dirty="0"/>
+          </a:p>
+          <a:p>
+            <a:pPr marL="0" indent="0">
+              <a:spcBef>
+                <a:spcPts val="0"/>
+              </a:spcBef>
+              <a:buNone/>
+            </a:pPr>
+            <a:r>
+              <a:rPr lang="ru-RU" sz="1600" b="1" dirty="0"/>
+              <a:t>Блок 4. Архитектура трансформера</a:t>
+            </a:r>
+            <a:endParaRPr lang="ru-RU" sz="1600" dirty="0"/>
           </a:p>
           <a:p>
             <a:pPr>
@@ -4477,23 +4375,19 @@
             </a:pPr>
             <a:r>
               <a:rPr lang="ru-RU" sz="1600" dirty="0"/>
-              <a:t>4.2 Трансформеры в не-NLP задачах</a:t>
-            </a:r>
-            <a:br>
+              <a:t>4.1 Архитектура трансформера - разбор статьи </a:t>
+            </a:r>
+            <a:r>
+              <a:rPr lang="en-US" sz="1600" dirty="0"/>
+              <a:t>Attention is all you need, </a:t>
+            </a:r>
+            <a:r>
               <a:rPr lang="ru-RU" sz="1600" dirty="0"/>
-            </a:br>
-            <a:endParaRPr lang="ru-RU" sz="1600" dirty="0"/>
-          </a:p>
-          <a:p>
-            <a:pPr marL="0" indent="0">
-              <a:spcBef>
-                <a:spcPts val="0"/>
-              </a:spcBef>
-              <a:buNone/>
-            </a:pPr>
-            <a:r>
-              <a:rPr lang="ru-RU" sz="1600" b="1" dirty="0"/>
-              <a:t>Блок 5. Ускорение нейросетей - основы</a:t>
+              <a:t>избранные модели </a:t>
+            </a:r>
+            <a:r>
+              <a:rPr lang="en-US" sz="1600" dirty="0"/>
+              <a:t>NLP</a:t>
             </a:r>
             <a:endParaRPr lang="ru-RU" sz="1600" dirty="0"/>
           </a:p>
@@ -4505,8 +4399,25 @@
             </a:pPr>
             <a:r>
               <a:rPr lang="ru-RU" sz="1600" dirty="0"/>
-              <a:t>5.1 Дистилляция</a:t>
-            </a:r>
+              <a:t>4.2 Трансформеры в не-NLP задачах</a:t>
+            </a:r>
+            <a:br>
+              <a:rPr lang="ru-RU" sz="1600" dirty="0"/>
+            </a:br>
+            <a:endParaRPr lang="ru-RU" sz="1600" dirty="0"/>
+          </a:p>
+          <a:p>
+            <a:pPr marL="0" indent="0">
+              <a:spcBef>
+                <a:spcPts val="0"/>
+              </a:spcBef>
+              <a:buNone/>
+            </a:pPr>
+            <a:r>
+              <a:rPr lang="ru-RU" sz="1600" b="1" dirty="0"/>
+              <a:t>Блок 5. Ускорение нейросетей - основы</a:t>
+            </a:r>
+            <a:endParaRPr lang="ru-RU" sz="1600" dirty="0"/>
           </a:p>
           <a:p>
             <a:pPr>
@@ -4516,7 +4427,7 @@
             </a:pPr>
             <a:r>
               <a:rPr lang="ru-RU" sz="1600" dirty="0"/>
-              <a:t>5.2 Квантование</a:t>
+              <a:t>5.1 Дистилляция</a:t>
             </a:r>
           </a:p>
           <a:p>
@@ -4527,13 +4438,8 @@
             </a:pPr>
             <a:r>
               <a:rPr lang="ru-RU" sz="1600" dirty="0"/>
-              <a:t>5.3 </a:t>
-            </a:r>
-            <a:r>
-              <a:rPr lang="ru-RU" sz="1600" dirty="0" err="1"/>
-              <a:t>Прунинг</a:t>
-            </a:r>
-            <a:endParaRPr lang="ru-RU" sz="1600" dirty="0"/>
+              <a:t>5.2 Квантование</a:t>
+            </a:r>
           </a:p>
           <a:p>
             <a:pPr>
@@ -4543,7 +4449,11 @@
             </a:pPr>
             <a:r>
               <a:rPr lang="ru-RU" sz="1600" dirty="0"/>
-              <a:t>5.4 NAS</a:t>
+              <a:t>5.3 </a:t>
+            </a:r>
+            <a:r>
+              <a:rPr lang="ru-RU" sz="1600" dirty="0" err="1"/>
+              <a:t>Прунинг</a:t>
             </a:r>
             <a:br>
               <a:rPr lang="ru-RU" sz="1600" dirty="0"/>
@@ -5548,15 +5458,12 @@
           </a:bodyPr>
           <a:lstStyle/>
           <a:p>
+            <a:pPr marL="0" indent="0">
+              <a:buNone/>
+            </a:pPr>
             <a:r>
               <a:rPr lang="ru-RU" dirty="0"/>
-              <a:t>Мягкий дедлайн – неделя с момента выдачи ДЗ – полный балл</a:t>
-            </a:r>
-          </a:p>
-          <a:p>
-            <a:r>
-              <a:rPr lang="ru-RU" dirty="0"/>
-              <a:t>Жесткий дедлайн – 2 недели с момента выдачи ДЗ – 50% баллов</a:t>
+              <a:t>Жесткий дедлайн – 2 недели с момента выдачи ДЗ – после 0 баллов</a:t>
             </a:r>
           </a:p>
           <a:p>
@@ -5611,199 +5518,6 @@
 </file>
 
 <file path=ppt/slides/slide7.xml><?xml version="1.0" encoding="utf-8"?>
-<p:sld xmlns:a="http://schemas.openxmlformats.org/drawingml/2006/main" xmlns:r="http://schemas.openxmlformats.org/officeDocument/2006/relationships" xmlns:p="http://schemas.openxmlformats.org/presentationml/2006/main">
-  <p:cSld>
-    <p:spTree>
-      <p:nvGrpSpPr>
-        <p:cNvPr id="1" name=""/>
-        <p:cNvGrpSpPr/>
-        <p:nvPr/>
-      </p:nvGrpSpPr>
-      <p:grpSpPr>
-        <a:xfrm>
-          <a:off x="0" y="0"/>
-          <a:ext cx="0" cy="0"/>
-          <a:chOff x="0" y="0"/>
-          <a:chExt cx="0" cy="0"/>
-        </a:xfrm>
-      </p:grpSpPr>
-      <p:sp>
-        <p:nvSpPr>
-          <p:cNvPr id="2" name="Заголовок 1">
-            <a:extLst>
-              <a:ext uri="{FF2B5EF4-FFF2-40B4-BE49-F238E27FC236}">
-                <a16:creationId xmlns:a16="http://schemas.microsoft.com/office/drawing/2014/main" id="{A390291F-E119-3FF8-FA6A-EC94746DA763}"/>
-              </a:ext>
-            </a:extLst>
-          </p:cNvPr>
-          <p:cNvSpPr>
-            <a:spLocks noGrp="1"/>
-          </p:cNvSpPr>
-          <p:nvPr>
-            <p:ph type="title"/>
-          </p:nvPr>
-        </p:nvSpPr>
-        <p:spPr/>
-        <p:txBody>
-          <a:bodyPr/>
-          <a:lstStyle/>
-          <a:p>
-            <a:r>
-              <a:rPr lang="ru-RU" dirty="0"/>
-              <a:t>Менторы</a:t>
-            </a:r>
-          </a:p>
-        </p:txBody>
-      </p:sp>
-      <p:sp>
-        <p:nvSpPr>
-          <p:cNvPr id="3" name="Объект 2">
-            <a:extLst>
-              <a:ext uri="{FF2B5EF4-FFF2-40B4-BE49-F238E27FC236}">
-                <a16:creationId xmlns:a16="http://schemas.microsoft.com/office/drawing/2014/main" id="{DAB17BAD-8B47-CE9E-5428-08E8B2110C7C}"/>
-              </a:ext>
-            </a:extLst>
-          </p:cNvPr>
-          <p:cNvSpPr>
-            <a:spLocks noGrp="1"/>
-          </p:cNvSpPr>
-          <p:nvPr>
-            <p:ph idx="1"/>
-          </p:nvPr>
-        </p:nvSpPr>
-        <p:spPr>
-          <a:xfrm>
-            <a:off x="838199" y="1825625"/>
-            <a:ext cx="10613572" cy="4351338"/>
-          </a:xfrm>
-        </p:spPr>
-        <p:txBody>
-          <a:bodyPr>
-            <a:normAutofit/>
-          </a:bodyPr>
-          <a:lstStyle/>
-          <a:p>
-            <a:r>
-              <a:rPr lang="ru-RU" dirty="0"/>
-              <a:t>Лютова Дарья - </a:t>
-            </a:r>
-            <a:r>
-              <a:rPr lang="en-US" dirty="0"/>
-              <a:t>@DariaLyutova</a:t>
-            </a:r>
-            <a:endParaRPr lang="ru-RU" dirty="0"/>
-          </a:p>
-          <a:p>
-            <a:r>
-              <a:rPr lang="ru-RU" dirty="0"/>
-              <a:t>Димитров Владимир - </a:t>
-            </a:r>
-            <a:r>
-              <a:rPr lang="en-US" dirty="0"/>
-              <a:t>@vdimitrov</a:t>
-            </a:r>
-            <a:endParaRPr lang="ru-RU" dirty="0"/>
-          </a:p>
-          <a:p>
-            <a:r>
-              <a:rPr lang="ru-RU" dirty="0"/>
-              <a:t>Зозуля Андрей - </a:t>
-            </a:r>
-            <a:r>
-              <a:rPr lang="en-US" dirty="0"/>
-              <a:t>@Anzovitte</a:t>
-            </a:r>
-            <a:endParaRPr lang="ru-RU" dirty="0"/>
-          </a:p>
-          <a:p>
-            <a:r>
-              <a:rPr lang="ru-RU" dirty="0"/>
-              <a:t>Тихобаева Ольга - </a:t>
-            </a:r>
-            <a:r>
-              <a:rPr lang="en-US" dirty="0"/>
-              <a:t>@otikhobaeva</a:t>
-            </a:r>
-            <a:endParaRPr lang="ru-RU" dirty="0"/>
-          </a:p>
-          <a:p>
-            <a:r>
-              <a:rPr lang="ru-RU" dirty="0" err="1"/>
-              <a:t>Маршалова</a:t>
-            </a:r>
-            <a:r>
-              <a:rPr lang="ru-RU" dirty="0"/>
-              <a:t> Анна - </a:t>
-            </a:r>
-            <a:r>
-              <a:rPr lang="en-US" dirty="0"/>
-              <a:t>@anna_marshalova</a:t>
-            </a:r>
-            <a:endParaRPr lang="ru-RU" dirty="0"/>
-          </a:p>
-          <a:p>
-            <a:r>
-              <a:rPr lang="ru-RU" dirty="0" err="1"/>
-              <a:t>Пределина</a:t>
-            </a:r>
-            <a:r>
-              <a:rPr lang="ru-RU" dirty="0"/>
-              <a:t> Анастасия - </a:t>
-            </a:r>
-            <a:r>
-              <a:rPr lang="en-US" dirty="0"/>
-              <a:t>@aspr06</a:t>
-            </a:r>
-            <a:endParaRPr lang="ru-RU" dirty="0"/>
-          </a:p>
-          <a:p>
-            <a:r>
-              <a:rPr lang="ru-RU" dirty="0"/>
-              <a:t>Абдуллин Ильгиз - </a:t>
-            </a:r>
-            <a:r>
-              <a:rPr lang="en-US" dirty="0"/>
-              <a:t>@abdullinilr</a:t>
-            </a:r>
-            <a:endParaRPr lang="ru-RU" dirty="0"/>
-          </a:p>
-          <a:p>
-            <a:r>
-              <a:rPr lang="ru-RU" b="0" i="0" dirty="0">
-                <a:solidFill>
-                  <a:srgbClr val="1F1F1F"/>
-                </a:solidFill>
-                <a:effectLst/>
-                <a:latin typeface="Google Sans"/>
-              </a:rPr>
-              <a:t>Румянцев Георгий </a:t>
-            </a:r>
-            <a:r>
-              <a:rPr lang="ru-RU" dirty="0"/>
-              <a:t>- </a:t>
-            </a:r>
-            <a:r>
-              <a:rPr lang="en-US" dirty="0"/>
-              <a:t>@HQmupbasic</a:t>
-            </a:r>
-            <a:endParaRPr lang="ru-RU" dirty="0"/>
-          </a:p>
-        </p:txBody>
-      </p:sp>
-    </p:spTree>
-    <p:extLst>
-      <p:ext uri="{BB962C8B-B14F-4D97-AF65-F5344CB8AC3E}">
-        <p14:creationId xmlns:p14="http://schemas.microsoft.com/office/powerpoint/2010/main" val="3385823283"/>
-      </p:ext>
-    </p:extLst>
-  </p:cSld>
-  <p:clrMapOvr>
-    <a:masterClrMapping/>
-  </p:clrMapOvr>
-</p:sld>
-</file>
-
-<file path=ppt/slides/slide8.xml><?xml version="1.0" encoding="utf-8"?>
 <p:sld xmlns:a="http://schemas.openxmlformats.org/drawingml/2006/main" xmlns:r="http://schemas.openxmlformats.org/officeDocument/2006/relationships" xmlns:p="http://schemas.openxmlformats.org/presentationml/2006/main">
   <p:cSld>
     <p:spTree>
@@ -5924,7 +5638,7 @@
 </p:sld>
 </file>
 
-<file path=ppt/slides/slide9.xml><?xml version="1.0" encoding="utf-8"?>
+<file path=ppt/slides/slide8.xml><?xml version="1.0" encoding="utf-8"?>
 <p:sld xmlns:a="http://schemas.openxmlformats.org/drawingml/2006/main" xmlns:r="http://schemas.openxmlformats.org/officeDocument/2006/relationships" xmlns:p="http://schemas.openxmlformats.org/presentationml/2006/main">
   <p:cSld>
     <p:spTree>
@@ -6038,6 +5752,147 @@
     <p:extLst>
       <p:ext uri="{BB962C8B-B14F-4D97-AF65-F5344CB8AC3E}">
         <p14:creationId xmlns:p14="http://schemas.microsoft.com/office/powerpoint/2010/main" val="3620291551"/>
+      </p:ext>
+    </p:extLst>
+  </p:cSld>
+  <p:clrMapOvr>
+    <a:masterClrMapping/>
+  </p:clrMapOvr>
+</p:sld>
+</file>
+
+<file path=ppt/slides/slide9.xml><?xml version="1.0" encoding="utf-8"?>
+<p:sld xmlns:a="http://schemas.openxmlformats.org/drawingml/2006/main" xmlns:r="http://schemas.openxmlformats.org/officeDocument/2006/relationships" xmlns:p="http://schemas.openxmlformats.org/presentationml/2006/main">
+  <p:cSld>
+    <p:spTree>
+      <p:nvGrpSpPr>
+        <p:cNvPr id="1" name="">
+          <a:extLst>
+            <a:ext uri="{FF2B5EF4-FFF2-40B4-BE49-F238E27FC236}">
+              <a16:creationId xmlns:a16="http://schemas.microsoft.com/office/drawing/2014/main" id="{96ADCBAC-C624-3E6F-5041-AD5CC6EA0243}"/>
+            </a:ext>
+          </a:extLst>
+        </p:cNvPr>
+        <p:cNvGrpSpPr/>
+        <p:nvPr/>
+      </p:nvGrpSpPr>
+      <p:grpSpPr>
+        <a:xfrm>
+          <a:off x="0" y="0"/>
+          <a:ext cx="0" cy="0"/>
+          <a:chOff x="0" y="0"/>
+          <a:chExt cx="0" cy="0"/>
+        </a:xfrm>
+      </p:grpSpPr>
+      <p:sp>
+        <p:nvSpPr>
+          <p:cNvPr id="2" name="Заголовок 1">
+            <a:extLst>
+              <a:ext uri="{FF2B5EF4-FFF2-40B4-BE49-F238E27FC236}">
+                <a16:creationId xmlns:a16="http://schemas.microsoft.com/office/drawing/2014/main" id="{5F673CA9-6F34-05FB-0590-9358C8141562}"/>
+              </a:ext>
+            </a:extLst>
+          </p:cNvPr>
+          <p:cNvSpPr>
+            <a:spLocks noGrp="1"/>
+          </p:cNvSpPr>
+          <p:nvPr>
+            <p:ph type="title"/>
+          </p:nvPr>
+        </p:nvSpPr>
+        <p:spPr/>
+        <p:txBody>
+          <a:bodyPr/>
+          <a:lstStyle/>
+          <a:p>
+            <a:r>
+              <a:rPr lang="ru-RU" dirty="0"/>
+              <a:t>Небольшая синхронизация</a:t>
+            </a:r>
+          </a:p>
+        </p:txBody>
+      </p:sp>
+      <p:sp>
+        <p:nvSpPr>
+          <p:cNvPr id="3" name="Объект 2">
+            <a:extLst>
+              <a:ext uri="{FF2B5EF4-FFF2-40B4-BE49-F238E27FC236}">
+                <a16:creationId xmlns:a16="http://schemas.microsoft.com/office/drawing/2014/main" id="{7656A852-C6F5-1DAC-C0D4-6B5CA236AFCE}"/>
+              </a:ext>
+            </a:extLst>
+          </p:cNvPr>
+          <p:cNvSpPr>
+            <a:spLocks noGrp="1"/>
+          </p:cNvSpPr>
+          <p:nvPr>
+            <p:ph idx="1"/>
+          </p:nvPr>
+        </p:nvSpPr>
+        <p:spPr>
+          <a:xfrm>
+            <a:off x="838199" y="1825625"/>
+            <a:ext cx="10613572" cy="4351338"/>
+          </a:xfrm>
+        </p:spPr>
+        <p:txBody>
+          <a:bodyPr>
+            <a:normAutofit/>
+          </a:bodyPr>
+          <a:lstStyle/>
+          <a:p>
+            <a:r>
+              <a:rPr lang="ru-RU" b="0" i="0" dirty="0">
+                <a:solidFill>
+                  <a:srgbClr val="1F2328"/>
+                </a:solidFill>
+                <a:effectLst/>
+                <a:latin typeface="-apple-system"/>
+              </a:rPr>
+              <a:t>Напишите, пожалуйста, насколько хорошо вы знакомы с:</a:t>
+            </a:r>
+          </a:p>
+          <a:p>
+            <a:pPr lvl="1"/>
+            <a:r>
+              <a:rPr lang="en-US" dirty="0">
+                <a:solidFill>
+                  <a:srgbClr val="1F2328"/>
+                </a:solidFill>
+                <a:latin typeface="-apple-system"/>
+              </a:rPr>
+              <a:t>Classic ML</a:t>
+            </a:r>
+          </a:p>
+          <a:p>
+            <a:pPr lvl="1"/>
+            <a:r>
+              <a:rPr lang="en-US" dirty="0">
+                <a:solidFill>
+                  <a:srgbClr val="1F2328"/>
+                </a:solidFill>
+                <a:latin typeface="-apple-system"/>
+              </a:rPr>
+              <a:t>Deep Learning</a:t>
+            </a:r>
+          </a:p>
+          <a:p>
+            <a:pPr lvl="1"/>
+            <a:endParaRPr lang="en-US" dirty="0">
+              <a:solidFill>
+                <a:srgbClr val="1F2328"/>
+              </a:solidFill>
+              <a:latin typeface="-apple-system"/>
+            </a:endParaRPr>
+          </a:p>
+          <a:p>
+            <a:endParaRPr lang="ru-RU" dirty="0"/>
+          </a:p>
+        </p:txBody>
+      </p:sp>
+    </p:spTree>
+    <p:extLst>
+      <p:ext uri="{BB962C8B-B14F-4D97-AF65-F5344CB8AC3E}">
+        <p14:creationId xmlns:p14="http://schemas.microsoft.com/office/powerpoint/2010/main" val="4027548127"/>
       </p:ext>
     </p:extLst>
   </p:cSld>
